--- a/documentation/0 architecture/develop/ide/Web Application 프로젝트 유형 구성 전략 v1.0.pptx
+++ b/documentation/0 architecture/develop/ide/Web Application 프로젝트 유형 구성 전략 v1.0.pptx
@@ -215,7 +215,7 @@
           <a:p>
             <a:fld id="{86DE804F-87FA-48C5-8C15-C89CB3863B3B}" type="datetimeFigureOut">
               <a:rPr lang="ko-KR" altLang="en-US" smtClean="0"/>
-              <a:t>2013-11-10</a:t>
+              <a:t>2013-11-28</a:t>
             </a:fld>
             <a:endParaRPr lang="ko-KR" altLang="en-US"/>
           </a:p>
@@ -945,6 +945,49 @@
           <a:chExt cx="0" cy="0"/>
         </a:xfrm>
       </p:grpSpPr>
+      <p:sp>
+        <p:nvSpPr>
+          <p:cNvPr id="2" name="직사각형 1"/>
+          <p:cNvSpPr/>
+          <p:nvPr userDrawn="1"/>
+        </p:nvSpPr>
+        <p:spPr>
+          <a:xfrm>
+            <a:off x="-15552" y="0"/>
+            <a:ext cx="9921552" cy="548680"/>
+          </a:xfrm>
+          <a:prstGeom prst="rect">
+            <a:avLst/>
+          </a:prstGeom>
+          <a:ln>
+            <a:noFill/>
+          </a:ln>
+        </p:spPr>
+        <p:style>
+          <a:lnRef idx="2">
+            <a:schemeClr val="accent1">
+              <a:shade val="50000"/>
+            </a:schemeClr>
+          </a:lnRef>
+          <a:fillRef idx="1">
+            <a:schemeClr val="accent1"/>
+          </a:fillRef>
+          <a:effectRef idx="0">
+            <a:schemeClr val="accent1"/>
+          </a:effectRef>
+          <a:fontRef idx="minor">
+            <a:schemeClr val="lt1"/>
+          </a:fontRef>
+        </p:style>
+        <p:txBody>
+          <a:bodyPr rtlCol="0" anchor="ctr"/>
+          <a:lstStyle/>
+          <a:p>
+            <a:pPr algn="ctr"/>
+            <a:endParaRPr lang="ko-KR" altLang="en-US"/>
+          </a:p>
+        </p:txBody>
+      </p:sp>
     </p:spTree>
     <p:extLst>
       <p:ext uri="{BB962C8B-B14F-4D97-AF65-F5344CB8AC3E}">
@@ -14886,70 +14929,6 @@
           </a:fontRef>
         </p:style>
       </p:cxnSp>
-      <p:sp>
-        <p:nvSpPr>
-          <p:cNvPr id="66" name="직사각형 65"/>
-          <p:cNvSpPr/>
-          <p:nvPr/>
-        </p:nvSpPr>
-        <p:spPr>
-          <a:xfrm>
-            <a:off x="3060524" y="4869160"/>
-            <a:ext cx="2591596" cy="457200"/>
-          </a:xfrm>
-          <a:prstGeom prst="rect">
-            <a:avLst/>
-          </a:prstGeom>
-        </p:spPr>
-        <p:style>
-          <a:lnRef idx="2">
-            <a:schemeClr val="accent1"/>
-          </a:lnRef>
-          <a:fillRef idx="1">
-            <a:schemeClr val="lt1"/>
-          </a:fillRef>
-          <a:effectRef idx="0">
-            <a:schemeClr val="accent1"/>
-          </a:effectRef>
-          <a:fontRef idx="minor">
-            <a:schemeClr val="dk1"/>
-          </a:fontRef>
-        </p:style>
-        <p:txBody>
-          <a:bodyPr rtlCol="0" anchor="ctr"/>
-          <a:lstStyle/>
-          <a:p>
-            <a:r>
-              <a:rPr lang="en-US" altLang="ko-KR" sz="1200" b="1" dirty="0" smtClean="0"/>
-              <a:t>Directory</a:t>
-            </a:r>
-            <a:endParaRPr lang="en-US" altLang="ko-KR" sz="1200" b="1" dirty="0"/>
-          </a:p>
-          <a:p>
-            <a:r>
-              <a:rPr lang="en-US" altLang="ko-KR" sz="1200" dirty="0" smtClean="0"/>
-              <a:t>/</a:t>
-            </a:r>
-            <a:r>
-              <a:rPr lang="en-US" altLang="ko-KR" sz="1200" dirty="0" err="1" smtClean="0"/>
-              <a:t>htdocs</a:t>
-            </a:r>
-            <a:r>
-              <a:rPr lang="en-US" altLang="ko-KR" sz="1200" dirty="0" smtClean="0"/>
-              <a:t> /${</a:t>
-            </a:r>
-            <a:r>
-              <a:rPr lang="en-US" altLang="ko-KR" sz="1200" dirty="0" err="1"/>
-              <a:t>webapp</a:t>
-            </a:r>
-            <a:r>
-              <a:rPr lang="en-US" altLang="ko-KR" sz="1200" dirty="0" smtClean="0"/>
-              <a:t>}</a:t>
-            </a:r>
-            <a:endParaRPr lang="ko-KR" altLang="en-US" sz="1200" dirty="0"/>
-          </a:p>
-        </p:txBody>
-      </p:sp>
       <p:sp>
         <p:nvSpPr>
           <p:cNvPr id="67" name="직사각형 66"/>
